--- a/19SW44 (SYED AHMED SHAH) WE PPT.pptx
+++ b/19SW44 (SYED AHMED SHAH) WE PPT.pptx
@@ -114,6 +114,11 @@
       </a:defRPr>
     </a:lvl9pPr>
   </p:defaultTextStyle>
+  <p:extLst>
+    <p:ext uri="{EFAFB233-063F-42B5-8137-9DF3F51BA10A}">
+      <p15:sldGuideLst xmlns:p15="http://schemas.microsoft.com/office/powerpoint/2012/main"/>
+    </p:ext>
+  </p:extLst>
 </p:presentation>
 </file>
 
@@ -4704,10 +4709,10 @@
       </p:sp>
       <p:pic>
         <p:nvPicPr>
-          <p:cNvPr id="9" name="Picture 8">
-            <a:extLst>
-              <a:ext uri="{FF2B5EF4-FFF2-40B4-BE49-F238E27FC236}">
-                <a16:creationId xmlns:a16="http://schemas.microsoft.com/office/drawing/2014/main" id="{59B8E30F-DF5E-89CA-20F1-641FBDBC4A10}"/>
+          <p:cNvPr id="3" name="Picture 2">
+            <a:extLst>
+              <a:ext uri="{FF2B5EF4-FFF2-40B4-BE49-F238E27FC236}">
+                <a16:creationId xmlns:a16="http://schemas.microsoft.com/office/drawing/2014/main" id="{DE31194D-8226-E867-B70B-FBBB86670588}"/>
               </a:ext>
             </a:extLst>
           </p:cNvPr>
@@ -4724,8 +4729,8 @@
         </p:blipFill>
         <p:spPr>
           <a:xfrm>
-            <a:off x="295275" y="109537"/>
-            <a:ext cx="11601450" cy="6638925"/>
+            <a:off x="378691" y="124402"/>
+            <a:ext cx="11574790" cy="6609196"/>
           </a:xfrm>
           <a:prstGeom prst="rect">
             <a:avLst/>
@@ -4844,10 +4849,10 @@
       </p:sp>
       <p:pic>
         <p:nvPicPr>
-          <p:cNvPr id="7" name="Picture 6">
-            <a:extLst>
-              <a:ext uri="{FF2B5EF4-FFF2-40B4-BE49-F238E27FC236}">
-                <a16:creationId xmlns:a16="http://schemas.microsoft.com/office/drawing/2014/main" id="{6F163E5B-D616-5C4C-710C-E4B1347E49CC}"/>
+          <p:cNvPr id="5" name="Picture 4">
+            <a:extLst>
+              <a:ext uri="{FF2B5EF4-FFF2-40B4-BE49-F238E27FC236}">
+                <a16:creationId xmlns:a16="http://schemas.microsoft.com/office/drawing/2014/main" id="{1910DE7E-55EA-8FEF-1872-A928D709F77D}"/>
               </a:ext>
             </a:extLst>
           </p:cNvPr>
@@ -4864,8 +4869,8 @@
         </p:blipFill>
         <p:spPr>
           <a:xfrm>
-            <a:off x="218384" y="203200"/>
-            <a:ext cx="11755231" cy="6451600"/>
+            <a:off x="235527" y="289538"/>
+            <a:ext cx="11720945" cy="6278923"/>
           </a:xfrm>
           <a:prstGeom prst="rect">
             <a:avLst/>
